--- a/content/grade8/cycle04/week1/G8_C4_W1_Energy_Pyramids_Slides_Final.pptx
+++ b/content/grade8/cycle04/week1/G8_C4_W1_Energy_Pyramids_Slides_Final.pptx
@@ -3689,8 +3689,8 @@
         </p:nvSpPr>
         <p:spPr>
           <a:xfrm>
-            <a:off x="4572000" y="3794760"/>
-            <a:ext cx="4114800" cy="1005840"/>
+            <a:off x="4572000" y="3776472"/>
+            <a:ext cx="4114800" cy="1097280"/>
           </a:xfrm>
           <a:prstGeom prst="rect">
             <a:avLst/>
@@ -3830,8 +3830,8 @@
         </p:nvSpPr>
         <p:spPr>
           <a:xfrm>
-            <a:off x="320040" y="594360"/>
-            <a:ext cx="8503920" cy="274320"/>
+            <a:off x="320040" y="576072"/>
+            <a:ext cx="8503920" cy="365760"/>
           </a:xfrm>
           <a:prstGeom prst="rect">
             <a:avLst/>
@@ -4657,8 +4657,8 @@
         </p:nvSpPr>
         <p:spPr>
           <a:xfrm>
-            <a:off x="457200" y="4526280"/>
-            <a:ext cx="8229600" cy="365760"/>
+            <a:off x="457200" y="4462272"/>
+            <a:ext cx="8229600" cy="457200"/>
           </a:xfrm>
           <a:prstGeom prst="rect">
             <a:avLst/>
@@ -4790,8 +4790,8 @@
         </p:nvSpPr>
         <p:spPr>
           <a:xfrm>
-            <a:off x="320040" y="594360"/>
-            <a:ext cx="8503920" cy="274320"/>
+            <a:off x="320040" y="576072"/>
+            <a:ext cx="8503920" cy="365760"/>
           </a:xfrm>
           <a:prstGeom prst="rect">
             <a:avLst/>
@@ -5901,8 +5901,8 @@
         </p:nvSpPr>
         <p:spPr>
           <a:xfrm>
-            <a:off x="457200" y="4297680"/>
-            <a:ext cx="8229600" cy="548640"/>
+            <a:off x="457200" y="4279392"/>
+            <a:ext cx="8229600" cy="640080"/>
           </a:xfrm>
           <a:prstGeom prst="rect">
             <a:avLst/>
@@ -6038,8 +6038,8 @@
         </p:nvSpPr>
         <p:spPr>
           <a:xfrm>
-            <a:off x="320040" y="594360"/>
-            <a:ext cx="8503920" cy="274320"/>
+            <a:off x="320040" y="576072"/>
+            <a:ext cx="8503920" cy="365760"/>
           </a:xfrm>
           <a:prstGeom prst="rect">
             <a:avLst/>
@@ -6244,8 +6244,8 @@
         </p:nvSpPr>
         <p:spPr>
           <a:xfrm>
-            <a:off x="457200" y="3611880"/>
-            <a:ext cx="8229600" cy="365760"/>
+            <a:off x="457200" y="3593592"/>
+            <a:ext cx="8229600" cy="457200"/>
           </a:xfrm>
           <a:prstGeom prst="rect">
             <a:avLst/>
@@ -9591,8 +9591,8 @@
         </p:nvSpPr>
         <p:spPr>
           <a:xfrm>
-            <a:off x="320040" y="594360"/>
-            <a:ext cx="8503920" cy="274320"/>
+            <a:off x="320040" y="576072"/>
+            <a:ext cx="8503920" cy="365760"/>
           </a:xfrm>
           <a:prstGeom prst="rect">
             <a:avLst/>
@@ -10280,8 +10280,8 @@
         </p:nvSpPr>
         <p:spPr>
           <a:xfrm>
-            <a:off x="457200" y="3474720"/>
-            <a:ext cx="8229600" cy="365760"/>
+            <a:off x="457200" y="3456432"/>
+            <a:ext cx="8229600" cy="457200"/>
           </a:xfrm>
           <a:prstGeom prst="rect">
             <a:avLst/>
@@ -10457,8 +10457,8 @@
         </p:nvSpPr>
         <p:spPr>
           <a:xfrm>
-            <a:off x="320040" y="594360"/>
-            <a:ext cx="8503920" cy="274320"/>
+            <a:off x="320040" y="576072"/>
+            <a:ext cx="8503920" cy="365760"/>
           </a:xfrm>
           <a:prstGeom prst="rect">
             <a:avLst/>
